--- a/Courses/Software-Sciences/Module-4-Information-Systems/09-Lifecycle-of-Information-System/09-Lifecycle-of-Information-System.pptx
+++ b/Courses/Software-Sciences/Module-4-Information-Systems/09-Lifecycle-of-Information-System/09-Lifecycle-of-Information-System.pptx
@@ -342,7 +342,7 @@
           <a:p>
             <a:fld id="{4E087215-0C8F-4762-A664-737A353EC9A4}" type="datetimeFigureOut">
               <a:rPr lang="bg-BG" smtClean="0"/>
-              <a:t>12.01.25 г.</a:t>
+              <a:t>4.02.25 г.</a:t>
             </a:fld>
             <a:endParaRPr lang="bg-BG"/>
           </a:p>
@@ -538,7 +538,7 @@
           <a:p>
             <a:fld id="{72D84649-876A-46C9-8472-14CB09C070D8}" type="datetimeFigureOut">
               <a:rPr lang="en-US" smtClean="0"/>
-              <a:t>1/12/25</a:t>
+              <a:t>2/4/25</a:t>
             </a:fld>
             <a:endParaRPr lang="en-US"/>
           </a:p>
@@ -8729,8 +8729,8 @@
         </p:blipFill>
         <p:spPr>
           <a:xfrm>
-            <a:off x="642407" y="3086623"/>
-            <a:ext cx="1757160" cy="788082"/>
+            <a:off x="642407" y="3087467"/>
+            <a:ext cx="1757160" cy="786394"/>
           </a:xfrm>
           <a:prstGeom prst="rect">
             <a:avLst/>

--- a/Courses/Software-Sciences/Module-4-Information-Systems/09-Lifecycle-of-Information-System/09-Lifecycle-of-Information-System.pptx
+++ b/Courses/Software-Sciences/Module-4-Information-Systems/09-Lifecycle-of-Information-System/09-Lifecycle-of-Information-System.pptx
@@ -5,10 +5,10 @@
     <p:sldMasterId id="2147483675" r:id="rId1"/>
   </p:sldMasterIdLst>
   <p:notesMasterIdLst>
-    <p:notesMasterId r:id="rId37"/>
+    <p:notesMasterId r:id="rId36"/>
   </p:notesMasterIdLst>
   <p:handoutMasterIdLst>
-    <p:handoutMasterId r:id="rId38"/>
+    <p:handoutMasterId r:id="rId37"/>
   </p:handoutMasterIdLst>
   <p:sldIdLst>
     <p:sldId id="503" r:id="rId2"/>
@@ -19,33 +19,32 @@
     <p:sldId id="761" r:id="rId7"/>
     <p:sldId id="762" r:id="rId8"/>
     <p:sldId id="763" r:id="rId9"/>
-    <p:sldId id="764" r:id="rId10"/>
-    <p:sldId id="742" r:id="rId11"/>
-    <p:sldId id="765" r:id="rId12"/>
-    <p:sldId id="771" r:id="rId13"/>
-    <p:sldId id="772" r:id="rId14"/>
-    <p:sldId id="773" r:id="rId15"/>
-    <p:sldId id="774" r:id="rId16"/>
-    <p:sldId id="649" r:id="rId17"/>
-    <p:sldId id="766" r:id="rId18"/>
-    <p:sldId id="767" r:id="rId19"/>
-    <p:sldId id="789" r:id="rId20"/>
-    <p:sldId id="782" r:id="rId21"/>
-    <p:sldId id="783" r:id="rId22"/>
-    <p:sldId id="779" r:id="rId23"/>
-    <p:sldId id="790" r:id="rId24"/>
-    <p:sldId id="786" r:id="rId25"/>
-    <p:sldId id="768" r:id="rId26"/>
-    <p:sldId id="791" r:id="rId27"/>
-    <p:sldId id="785" r:id="rId28"/>
-    <p:sldId id="787" r:id="rId29"/>
-    <p:sldId id="776" r:id="rId30"/>
-    <p:sldId id="792" r:id="rId31"/>
-    <p:sldId id="784" r:id="rId32"/>
-    <p:sldId id="793" r:id="rId33"/>
-    <p:sldId id="633" r:id="rId34"/>
-    <p:sldId id="504" r:id="rId35"/>
-    <p:sldId id="505" r:id="rId36"/>
+    <p:sldId id="742" r:id="rId10"/>
+    <p:sldId id="765" r:id="rId11"/>
+    <p:sldId id="771" r:id="rId12"/>
+    <p:sldId id="772" r:id="rId13"/>
+    <p:sldId id="773" r:id="rId14"/>
+    <p:sldId id="774" r:id="rId15"/>
+    <p:sldId id="649" r:id="rId16"/>
+    <p:sldId id="766" r:id="rId17"/>
+    <p:sldId id="767" r:id="rId18"/>
+    <p:sldId id="789" r:id="rId19"/>
+    <p:sldId id="782" r:id="rId20"/>
+    <p:sldId id="783" r:id="rId21"/>
+    <p:sldId id="779" r:id="rId22"/>
+    <p:sldId id="790" r:id="rId23"/>
+    <p:sldId id="786" r:id="rId24"/>
+    <p:sldId id="768" r:id="rId25"/>
+    <p:sldId id="791" r:id="rId26"/>
+    <p:sldId id="785" r:id="rId27"/>
+    <p:sldId id="787" r:id="rId28"/>
+    <p:sldId id="776" r:id="rId29"/>
+    <p:sldId id="792" r:id="rId30"/>
+    <p:sldId id="784" r:id="rId31"/>
+    <p:sldId id="793" r:id="rId32"/>
+    <p:sldId id="633" r:id="rId33"/>
+    <p:sldId id="504" r:id="rId34"/>
+    <p:sldId id="505" r:id="rId35"/>
   </p:sldIdLst>
   <p:sldSz cx="12192000" cy="6858000"/>
   <p:notesSz cx="6858000" cy="9144000"/>
@@ -161,7 +160,6 @@
             <p14:sldId id="761"/>
             <p14:sldId id="762"/>
             <p14:sldId id="763"/>
-            <p14:sldId id="764"/>
           </p14:sldIdLst>
         </p14:section>
         <p14:section name="Анализ на изискванията" id="{2D5756AF-8390-6F4F-9933-47BC1B44579B}">
@@ -342,7 +340,7 @@
           <a:p>
             <a:fld id="{4E087215-0C8F-4762-A664-737A353EC9A4}" type="datetimeFigureOut">
               <a:rPr lang="bg-BG" smtClean="0"/>
-              <a:t>4.02.25 г.</a:t>
+              <a:t>19.08.25 г.</a:t>
             </a:fld>
             <a:endParaRPr lang="bg-BG"/>
           </a:p>
@@ -538,7 +536,7 @@
           <a:p>
             <a:fld id="{72D84649-876A-46C9-8472-14CB09C070D8}" type="datetimeFigureOut">
               <a:rPr lang="en-US" smtClean="0"/>
-              <a:t>2/4/25</a:t>
+              <a:t>8/19/25</a:t>
             </a:fld>
             <a:endParaRPr lang="en-US"/>
           </a:p>
@@ -1031,7 +1029,7 @@
           <a:p>
             <a:fld id="{2BF067CD-8E6B-4360-9AA8-C5DF2A48A6D1}" type="slidenum">
               <a:rPr lang="en-US" smtClean="0"/>
-              <a:t>27</a:t>
+              <a:t>26</a:t>
             </a:fld>
             <a:endParaRPr lang="en-US" dirty="0"/>
           </a:p>
@@ -1152,7 +1150,7 @@
           <a:p>
             <a:fld id="{2BF067CD-8E6B-4360-9AA8-C5DF2A48A6D1}" type="slidenum">
               <a:rPr lang="en-US" smtClean="0"/>
-              <a:t>28</a:t>
+              <a:t>27</a:t>
             </a:fld>
             <a:endParaRPr lang="en-US" dirty="0"/>
           </a:p>
@@ -1380,7 +1378,7 @@
             <a:fld id="{3EBA5BD7-F043-4D1B-AA17-CD412FC534DE}" type="slidenum">
               <a:rPr lang="en-US" smtClean="0"/>
               <a:pPr/>
-              <a:t>33</a:t>
+              <a:t>32</a:t>
             </a:fld>
             <a:endParaRPr lang="en-US" dirty="0"/>
           </a:p>
@@ -1626,7 +1624,7 @@
             <a:fld id="{3EBA5BD7-F043-4D1B-AA17-CD412FC534DE}" type="slidenum">
               <a:rPr lang="en-US" smtClean="0"/>
               <a:pPr/>
-              <a:t>34</a:t>
+              <a:t>33</a:t>
             </a:fld>
             <a:endParaRPr lang="en-US" dirty="0"/>
           </a:p>
@@ -1856,7 +1854,7 @@
             <a:fld id="{3EBA5BD7-F043-4D1B-AA17-CD412FC534DE}" type="slidenum">
               <a:rPr lang="en-US" smtClean="0"/>
               <a:pPr/>
-              <a:t>35</a:t>
+              <a:t>34</a:t>
             </a:fld>
             <a:endParaRPr lang="en-US" dirty="0"/>
           </a:p>
@@ -2558,7 +2556,7 @@
             <a:fld id="{3EBA5BD7-F043-4D1B-AA17-CD412FC534DE}" type="slidenum">
               <a:rPr lang="en-US" smtClean="0"/>
               <a:pPr/>
-              <a:t>10</a:t>
+              <a:t>9</a:t>
             </a:fld>
             <a:endParaRPr lang="en-US" dirty="0"/>
           </a:p>
@@ -2788,7 +2786,7 @@
             <a:fld id="{3EBA5BD7-F043-4D1B-AA17-CD412FC534DE}" type="slidenum">
               <a:rPr lang="en-US" smtClean="0"/>
               <a:pPr/>
-              <a:t>12</a:t>
+              <a:t>11</a:t>
             </a:fld>
             <a:endParaRPr lang="en-US" dirty="0"/>
           </a:p>
@@ -2911,7 +2909,7 @@
           <a:p>
             <a:fld id="{2BF067CD-8E6B-4360-9AA8-C5DF2A48A6D1}" type="slidenum">
               <a:rPr lang="en-US" smtClean="0"/>
-              <a:t>15</a:t>
+              <a:t>14</a:t>
             </a:fld>
             <a:endParaRPr lang="en-US" dirty="0"/>
           </a:p>
@@ -3139,7 +3137,7 @@
             <a:fld id="{3EBA5BD7-F043-4D1B-AA17-CD412FC534DE}" type="slidenum">
               <a:rPr lang="en-US" smtClean="0"/>
               <a:pPr/>
-              <a:t>16</a:t>
+              <a:t>15</a:t>
             </a:fld>
             <a:endParaRPr lang="en-US" dirty="0"/>
           </a:p>
@@ -3262,7 +3260,7 @@
           <a:p>
             <a:fld id="{2BF067CD-8E6B-4360-9AA8-C5DF2A48A6D1}" type="slidenum">
               <a:rPr lang="en-US" smtClean="0"/>
-              <a:t>23</a:t>
+              <a:t>22</a:t>
             </a:fld>
             <a:endParaRPr lang="en-US" dirty="0"/>
           </a:p>
@@ -3383,7 +3381,7 @@
           <a:p>
             <a:fld id="{2BF067CD-8E6B-4360-9AA8-C5DF2A48A6D1}" type="slidenum">
               <a:rPr lang="en-US" smtClean="0"/>
-              <a:t>24</a:t>
+              <a:t>23</a:t>
             </a:fld>
             <a:endParaRPr lang="en-US" dirty="0"/>
           </a:p>
@@ -8661,7 +8659,7 @@
           <a:p>
             <a:r>
               <a:rPr lang="bg-BG" sz="3200" dirty="0"/>
-              <a:t>Събиране на изисквания, анализ, проектиране, имплементация, тестване, внедряване, поддръжка</a:t>
+              <a:t>Събиране на изисквания, анализ, проектиране, имплементация, тестване, внедряване</a:t>
             </a:r>
             <a:endParaRPr lang="bg-BG" sz="2800" dirty="0"/>
           </a:p>
@@ -8823,150 +8821,6 @@
       </p:grpSpPr>
       <p:sp>
         <p:nvSpPr>
-          <p:cNvPr id="4" name="Slide Subtitle">
-            <a:extLst>
-              <a:ext uri="{FF2B5EF4-FFF2-40B4-BE49-F238E27FC236}">
-                <a16:creationId xmlns:a16="http://schemas.microsoft.com/office/drawing/2014/main" id="{BEB5BB41-09D4-4E9F-8C80-EE8709171CB3}"/>
-              </a:ext>
-            </a:extLst>
-          </p:cNvPr>
-          <p:cNvSpPr>
-            <a:spLocks noGrp="1"/>
-          </p:cNvSpPr>
-          <p:nvPr>
-            <p:ph type="subTitle" sz="quarter" idx="11"/>
-          </p:nvPr>
-        </p:nvSpPr>
-        <p:spPr/>
-        <p:txBody>
-          <a:bodyPr/>
-          <a:lstStyle/>
-          <a:p>
-            <a:r>
-              <a:rPr lang="bg-BG" dirty="0"/>
-              <a:t>От текстово описание до </a:t>
-            </a:r>
-            <a:r>
-              <a:rPr lang="en-US" dirty="0"/>
-              <a:t>UI </a:t>
-            </a:r>
-            <a:r>
-              <a:rPr lang="bg-BG" dirty="0"/>
-              <a:t>дизайн и БД</a:t>
-            </a:r>
-          </a:p>
-        </p:txBody>
-      </p:sp>
-      <p:sp>
-        <p:nvSpPr>
-          <p:cNvPr id="6" name="Slide Title">
-            <a:extLst>
-              <a:ext uri="{FF2B5EF4-FFF2-40B4-BE49-F238E27FC236}">
-                <a16:creationId xmlns:a16="http://schemas.microsoft.com/office/drawing/2014/main" id="{028D9EA3-B5E0-4F17-9467-4BE3C280DA68}"/>
-              </a:ext>
-            </a:extLst>
-          </p:cNvPr>
-          <p:cNvSpPr>
-            <a:spLocks noGrp="1"/>
-          </p:cNvSpPr>
-          <p:nvPr>
-            <p:ph type="title" sz="quarter" idx="10"/>
-          </p:nvPr>
-        </p:nvSpPr>
-        <p:spPr>
-          <a:xfrm>
-            <a:off x="615109" y="4775916"/>
-            <a:ext cx="10961783" cy="768084"/>
-          </a:xfrm>
-        </p:spPr>
-        <p:txBody>
-          <a:bodyPr/>
-          <a:lstStyle/>
-          <a:p>
-            <a:r>
-              <a:rPr lang="bg-BG" sz="5400" dirty="0"/>
-              <a:t>Анализ на изискванията</a:t>
-            </a:r>
-            <a:endParaRPr lang="en-US" sz="5400" dirty="0"/>
-          </a:p>
-        </p:txBody>
-      </p:sp>
-      <p:pic>
-        <p:nvPicPr>
-          <p:cNvPr id="11" name="Picture 10">
-            <a:extLst>
-              <a:ext uri="{FF2B5EF4-FFF2-40B4-BE49-F238E27FC236}">
-                <a16:creationId xmlns:a16="http://schemas.microsoft.com/office/drawing/2014/main" id="{7E1F136C-1A8F-14C5-907E-6A18C884AFF1}"/>
-              </a:ext>
-            </a:extLst>
-          </p:cNvPr>
-          <p:cNvPicPr>
-            <a:picLocks noChangeAspect="1"/>
-          </p:cNvPicPr>
-          <p:nvPr/>
-        </p:nvPicPr>
-        <p:blipFill>
-          <a:blip r:embed="rId3">
-            <a:extLst>
-              <a:ext uri="{28A0092B-C50C-407E-A947-70E740481C1C}">
-                <a14:useLocalDpi xmlns:a14="http://schemas.microsoft.com/office/drawing/2010/main" val="0"/>
-              </a:ext>
-            </a:extLst>
-          </a:blip>
-          <a:stretch>
-            <a:fillRect/>
-          </a:stretch>
-        </p:blipFill>
-        <p:spPr>
-          <a:xfrm>
-            <a:off x="4678500" y="1385091"/>
-            <a:ext cx="2835000" cy="2404367"/>
-          </a:xfrm>
-          <a:prstGeom prst="rect">
-            <a:avLst/>
-          </a:prstGeom>
-        </p:spPr>
-      </p:pic>
-    </p:spTree>
-    <p:extLst>
-      <p:ext uri="{BB962C8B-B14F-4D97-AF65-F5344CB8AC3E}">
-        <p14:creationId xmlns:p14="http://schemas.microsoft.com/office/powerpoint/2010/main" val="3104196896"/>
-      </p:ext>
-    </p:extLst>
-  </p:cSld>
-  <p:clrMapOvr>
-    <a:masterClrMapping/>
-  </p:clrMapOvr>
-  <mc:AlternateContent xmlns:mc="http://schemas.openxmlformats.org/markup-compatibility/2006" xmlns:p14="http://schemas.microsoft.com/office/powerpoint/2010/main">
-    <mc:Choice Requires="p14">
-      <p:transition spd="slow" p14:dur="2000" advClick="0" advTm="5000"/>
-    </mc:Choice>
-    <mc:Fallback xmlns="">
-      <p:transition spd="slow" advClick="0" advTm="5000"/>
-    </mc:Fallback>
-  </mc:AlternateContent>
-</p:sld>
-</file>
-
-<file path=ppt/slides/slide11.xml><?xml version="1.0" encoding="utf-8"?>
-<p:sld xmlns:a="http://schemas.openxmlformats.org/drawingml/2006/main" xmlns:r="http://schemas.openxmlformats.org/officeDocument/2006/relationships" xmlns:p="http://schemas.openxmlformats.org/presentationml/2006/main">
-  <p:cSld>
-    <p:spTree>
-      <p:nvGrpSpPr>
-        <p:cNvPr id="1" name=""/>
-        <p:cNvGrpSpPr/>
-        <p:nvPr/>
-      </p:nvGrpSpPr>
-      <p:grpSpPr>
-        <a:xfrm>
-          <a:off x="0" y="0"/>
-          <a:ext cx="0" cy="0"/>
-          <a:chOff x="0" y="0"/>
-          <a:chExt cx="0" cy="0"/>
-        </a:xfrm>
-      </p:grpSpPr>
-      <p:sp>
-        <p:nvSpPr>
           <p:cNvPr id="2" name="Slide Number Placeholder 1">
             <a:extLst>
               <a:ext uri="{FF2B5EF4-FFF2-40B4-BE49-F238E27FC236}">
@@ -8989,7 +8843,7 @@
             <a:fld id="{2BF067CD-8E6B-4360-9AA8-C5DF2A48A6D1}" type="slidenum">
               <a:rPr lang="en-US" noProof="0" smtClean="0"/>
               <a:pPr/>
-              <a:t>11</a:t>
+              <a:t>10</a:t>
             </a:fld>
             <a:endParaRPr lang="en-US" noProof="0" dirty="0"/>
           </a:p>
@@ -9022,6 +8876,18 @@
               <a:rPr lang="bg-BG" dirty="0"/>
               <a:t>Анализ на изискванията</a:t>
             </a:r>
+            <a:r>
+              <a:rPr lang="en-US" dirty="0"/>
+              <a:t> </a:t>
+            </a:r>
+            <a:r>
+              <a:rPr lang="bg-BG" dirty="0"/>
+              <a:t>и проектиране на </a:t>
+            </a:r>
+            <a:r>
+              <a:rPr lang="en-US" dirty="0"/>
+              <a:t>UI</a:t>
+            </a:r>
             <a:endParaRPr lang="en-BG" dirty="0"/>
           </a:p>
         </p:txBody>
@@ -9048,6 +8914,14 @@
           <a:lstStyle/>
           <a:p>
             <a:r>
+              <a:rPr lang="bg-BG" b="1" dirty="0"/>
+              <a:t>Анализ на изискванията</a:t>
+            </a:r>
+            <a:endParaRPr lang="en-US" b="1" dirty="0"/>
+          </a:p>
+          <a:p>
+            <a:pPr lvl="1"/>
+            <a:r>
               <a:rPr lang="bg-BG" dirty="0"/>
               <a:t>Преобразуване на </a:t>
             </a:r>
@@ -9105,6 +8979,7 @@
             </a:r>
           </a:p>
           <a:p>
+            <a:pPr lvl="1"/>
             <a:r>
               <a:rPr lang="bg-BG" dirty="0"/>
               <a:t>Идентифициране на </a:t>
@@ -9140,6 +9015,18 @@
           </a:p>
           <a:p>
             <a:r>
+              <a:rPr lang="bg-BG" b="1" dirty="0"/>
+              <a:t>Проектиране на </a:t>
+            </a:r>
+            <a:r>
+              <a:rPr lang="en-US" b="1" dirty="0"/>
+              <a:t>UI</a:t>
+            </a:r>
+            <a:endParaRPr lang="bg-BG" b="1" dirty="0"/>
+          </a:p>
+          <a:p>
+            <a:pPr lvl="1"/>
+            <a:r>
               <a:rPr lang="bg-BG" dirty="0"/>
               <a:t>Създаване на </a:t>
             </a:r>
@@ -9161,6 +9048,7 @@
             </a:r>
           </a:p>
           <a:p>
+            <a:pPr lvl="1"/>
             <a:r>
               <a:rPr lang="bg-BG" dirty="0"/>
               <a:t>Проектиране на </a:t>
@@ -9366,6 +9254,104 @@
                       </p:childTnLst>
                     </p:cTn>
                   </p:par>
+                  <p:par>
+                    <p:cTn id="15" fill="hold">
+                      <p:stCondLst>
+                        <p:cond delay="indefinite"/>
+                      </p:stCondLst>
+                      <p:childTnLst>
+                        <p:par>
+                          <p:cTn id="16" fill="hold">
+                            <p:stCondLst>
+                              <p:cond delay="0"/>
+                            </p:stCondLst>
+                            <p:childTnLst>
+                              <p:par>
+                                <p:cTn id="17" presetID="1" presetClass="entr" presetSubtype="0" fill="hold" nodeType="clickEffect">
+                                  <p:stCondLst>
+                                    <p:cond delay="0"/>
+                                  </p:stCondLst>
+                                  <p:childTnLst>
+                                    <p:set>
+                                      <p:cBhvr>
+                                        <p:cTn id="18" dur="1" fill="hold">
+                                          <p:stCondLst>
+                                            <p:cond delay="0"/>
+                                          </p:stCondLst>
+                                        </p:cTn>
+                                        <p:tgtEl>
+                                          <p:spTgt spid="7">
+                                            <p:txEl>
+                                              <p:pRg st="4" end="4"/>
+                                            </p:txEl>
+                                          </p:spTgt>
+                                        </p:tgtEl>
+                                        <p:attrNameLst>
+                                          <p:attrName>style.visibility</p:attrName>
+                                        </p:attrNameLst>
+                                      </p:cBhvr>
+                                      <p:to>
+                                        <p:strVal val="visible"/>
+                                      </p:to>
+                                    </p:set>
+                                  </p:childTnLst>
+                                </p:cTn>
+                              </p:par>
+                            </p:childTnLst>
+                          </p:cTn>
+                        </p:par>
+                      </p:childTnLst>
+                    </p:cTn>
+                  </p:par>
+                  <p:par>
+                    <p:cTn id="19" fill="hold">
+                      <p:stCondLst>
+                        <p:cond delay="indefinite"/>
+                      </p:stCondLst>
+                      <p:childTnLst>
+                        <p:par>
+                          <p:cTn id="20" fill="hold">
+                            <p:stCondLst>
+                              <p:cond delay="0"/>
+                            </p:stCondLst>
+                            <p:childTnLst>
+                              <p:par>
+                                <p:cTn id="21" presetID="1" presetClass="entr" presetSubtype="0" fill="hold" nodeType="clickEffect">
+                                  <p:stCondLst>
+                                    <p:cond delay="0"/>
+                                  </p:stCondLst>
+                                  <p:childTnLst>
+                                    <p:set>
+                                      <p:cBhvr>
+                                        <p:cTn id="22" dur="1" fill="hold">
+                                          <p:stCondLst>
+                                            <p:cond delay="0"/>
+                                          </p:stCondLst>
+                                        </p:cTn>
+                                        <p:tgtEl>
+                                          <p:spTgt spid="7">
+                                            <p:txEl>
+                                              <p:pRg st="5" end="5"/>
+                                            </p:txEl>
+                                          </p:spTgt>
+                                        </p:tgtEl>
+                                        <p:attrNameLst>
+                                          <p:attrName>style.visibility</p:attrName>
+                                        </p:attrNameLst>
+                                      </p:cBhvr>
+                                      <p:to>
+                                        <p:strVal val="visible"/>
+                                      </p:to>
+                                    </p:set>
+                                  </p:childTnLst>
+                                </p:cTn>
+                              </p:par>
+                            </p:childTnLst>
+                          </p:cTn>
+                        </p:par>
+                      </p:childTnLst>
+                    </p:cTn>
+                  </p:par>
                 </p:childTnLst>
               </p:cTn>
               <p:prevCondLst>
@@ -9391,7 +9377,7 @@
 </p:sld>
 </file>
 
-<file path=ppt/slides/slide12.xml><?xml version="1.0" encoding="utf-8"?>
+<file path=ppt/slides/slide11.xml><?xml version="1.0" encoding="utf-8"?>
 <p:sld xmlns:a="http://schemas.openxmlformats.org/drawingml/2006/main" xmlns:r="http://schemas.openxmlformats.org/officeDocument/2006/relationships" xmlns:p="http://schemas.openxmlformats.org/presentationml/2006/main">
   <p:cSld>
     <p:spTree>
@@ -9522,7 +9508,7 @@
 </p:sld>
 </file>
 
-<file path=ppt/slides/slide13.xml><?xml version="1.0" encoding="utf-8"?>
+<file path=ppt/slides/slide12.xml><?xml version="1.0" encoding="utf-8"?>
 <p:sld xmlns:a="http://schemas.openxmlformats.org/drawingml/2006/main" xmlns:r="http://schemas.openxmlformats.org/officeDocument/2006/relationships" xmlns:p="http://schemas.openxmlformats.org/presentationml/2006/main">
   <p:cSld>
     <p:spTree>
@@ -9563,7 +9549,7 @@
             <a:fld id="{2BF067CD-8E6B-4360-9AA8-C5DF2A48A6D1}" type="slidenum">
               <a:rPr lang="en-US" noProof="0" smtClean="0"/>
               <a:pPr/>
-              <a:t>13</a:t>
+              <a:t>12</a:t>
             </a:fld>
             <a:endParaRPr lang="en-US" noProof="0" dirty="0"/>
           </a:p>
@@ -9999,7 +9985,7 @@
 </p:sld>
 </file>
 
-<file path=ppt/slides/slide14.xml><?xml version="1.0" encoding="utf-8"?>
+<file path=ppt/slides/slide13.xml><?xml version="1.0" encoding="utf-8"?>
 <p:sld xmlns:a="http://schemas.openxmlformats.org/drawingml/2006/main" xmlns:r="http://schemas.openxmlformats.org/officeDocument/2006/relationships" xmlns:p="http://schemas.openxmlformats.org/presentationml/2006/main">
   <p:cSld>
     <p:spTree>
@@ -10040,7 +10026,7 @@
             <a:fld id="{2BF067CD-8E6B-4360-9AA8-C5DF2A48A6D1}" type="slidenum">
               <a:rPr lang="en-US" noProof="0" smtClean="0"/>
               <a:pPr/>
-              <a:t>14</a:t>
+              <a:t>13</a:t>
             </a:fld>
             <a:endParaRPr lang="en-US" noProof="0" dirty="0"/>
           </a:p>
@@ -10694,7 +10680,7 @@
 </p:sld>
 </file>
 
-<file path=ppt/slides/slide15.xml><?xml version="1.0" encoding="utf-8"?>
+<file path=ppt/slides/slide14.xml><?xml version="1.0" encoding="utf-8"?>
 <p:sld xmlns:a="http://schemas.openxmlformats.org/drawingml/2006/main" xmlns:r="http://schemas.openxmlformats.org/officeDocument/2006/relationships" xmlns:p="http://schemas.openxmlformats.org/presentationml/2006/main">
   <p:cSld>
     <p:spTree>
@@ -10735,7 +10721,7 @@
             <a:fld id="{2BF067CD-8E6B-4360-9AA8-C5DF2A48A6D1}" type="slidenum">
               <a:rPr lang="en-US" noProof="0" smtClean="0"/>
               <a:pPr/>
-              <a:t>15</a:t>
+              <a:t>14</a:t>
             </a:fld>
             <a:endParaRPr lang="en-US" noProof="0" dirty="0"/>
           </a:p>
@@ -11536,7 +11522,7 @@
 </p:sld>
 </file>
 
-<file path=ppt/slides/slide16.xml><?xml version="1.0" encoding="utf-8"?>
+<file path=ppt/slides/slide15.xml><?xml version="1.0" encoding="utf-8"?>
 <p:sld xmlns:a="http://schemas.openxmlformats.org/drawingml/2006/main" xmlns:r="http://schemas.openxmlformats.org/officeDocument/2006/relationships" xmlns:p="http://schemas.openxmlformats.org/presentationml/2006/main">
   <p:cSld>
     <p:spTree>
@@ -11677,7 +11663,7 @@
 </p:sld>
 </file>
 
-<file path=ppt/slides/slide17.xml><?xml version="1.0" encoding="utf-8"?>
+<file path=ppt/slides/slide16.xml><?xml version="1.0" encoding="utf-8"?>
 <p:sld xmlns:a="http://schemas.openxmlformats.org/drawingml/2006/main" xmlns:r="http://schemas.openxmlformats.org/officeDocument/2006/relationships" xmlns:p="http://schemas.openxmlformats.org/presentationml/2006/main">
   <p:cSld>
     <p:spTree>
@@ -11718,7 +11704,7 @@
             <a:fld id="{2BF067CD-8E6B-4360-9AA8-C5DF2A48A6D1}" type="slidenum">
               <a:rPr lang="en-US" noProof="0" smtClean="0"/>
               <a:pPr/>
-              <a:t>17</a:t>
+              <a:t>16</a:t>
             </a:fld>
             <a:endParaRPr lang="en-US" noProof="0" dirty="0"/>
           </a:p>
@@ -12455,7 +12441,7 @@
 </p:sld>
 </file>
 
-<file path=ppt/slides/slide18.xml><?xml version="1.0" encoding="utf-8"?>
+<file path=ppt/slides/slide17.xml><?xml version="1.0" encoding="utf-8"?>
 <p:sld xmlns:a="http://schemas.openxmlformats.org/drawingml/2006/main" xmlns:r="http://schemas.openxmlformats.org/officeDocument/2006/relationships" xmlns:p="http://schemas.openxmlformats.org/presentationml/2006/main">
   <p:cSld>
     <p:spTree>
@@ -12496,7 +12482,7 @@
             <a:fld id="{2BF067CD-8E6B-4360-9AA8-C5DF2A48A6D1}" type="slidenum">
               <a:rPr lang="en-US" noProof="0" smtClean="0"/>
               <a:pPr/>
-              <a:t>18</a:t>
+              <a:t>17</a:t>
             </a:fld>
             <a:endParaRPr lang="en-US" noProof="0" dirty="0"/>
           </a:p>
@@ -13152,7 +13138,7 @@
 </p:sld>
 </file>
 
-<file path=ppt/slides/slide19.xml><?xml version="1.0" encoding="utf-8"?>
+<file path=ppt/slides/slide18.xml><?xml version="1.0" encoding="utf-8"?>
 <p:sld xmlns:a="http://schemas.openxmlformats.org/drawingml/2006/main" xmlns:r="http://schemas.openxmlformats.org/officeDocument/2006/relationships" xmlns:p="http://schemas.openxmlformats.org/presentationml/2006/main">
   <p:cSld>
     <p:spTree>
@@ -13193,7 +13179,7 @@
             <a:fld id="{2BF067CD-8E6B-4360-9AA8-C5DF2A48A6D1}" type="slidenum">
               <a:rPr lang="en-US" noProof="0" smtClean="0"/>
               <a:pPr/>
-              <a:t>19</a:t>
+              <a:t>18</a:t>
             </a:fld>
             <a:endParaRPr lang="en-US" noProof="0" dirty="0"/>
           </a:p>
@@ -13862,6 +13848,138 @@
 </p:sld>
 </file>
 
+<file path=ppt/slides/slide19.xml><?xml version="1.0" encoding="utf-8"?>
+<p:sld xmlns:a="http://schemas.openxmlformats.org/drawingml/2006/main" xmlns:r="http://schemas.openxmlformats.org/officeDocument/2006/relationships" xmlns:p="http://schemas.openxmlformats.org/presentationml/2006/main">
+  <p:cSld>
+    <p:spTree>
+      <p:nvGrpSpPr>
+        <p:cNvPr id="1" name=""/>
+        <p:cNvGrpSpPr/>
+        <p:nvPr/>
+      </p:nvGrpSpPr>
+      <p:grpSpPr>
+        <a:xfrm>
+          <a:off x="0" y="0"/>
+          <a:ext cx="0" cy="0"/>
+          <a:chOff x="0" y="0"/>
+          <a:chExt cx="0" cy="0"/>
+        </a:xfrm>
+      </p:grpSpPr>
+      <p:sp>
+        <p:nvSpPr>
+          <p:cNvPr id="2" name="Slide Number Placeholder 1">
+            <a:extLst>
+              <a:ext uri="{FF2B5EF4-FFF2-40B4-BE49-F238E27FC236}">
+                <a16:creationId xmlns:a16="http://schemas.microsoft.com/office/drawing/2014/main" id="{DE068892-22B0-0781-814F-C94199C20C8F}"/>
+              </a:ext>
+            </a:extLst>
+          </p:cNvPr>
+          <p:cNvSpPr>
+            <a:spLocks noGrp="1"/>
+          </p:cNvSpPr>
+          <p:nvPr>
+            <p:ph type="sldNum" sz="quarter" idx="5"/>
+          </p:nvPr>
+        </p:nvSpPr>
+        <p:spPr/>
+        <p:txBody>
+          <a:bodyPr/>
+          <a:lstStyle/>
+          <a:p>
+            <a:fld id="{2BF067CD-8E6B-4360-9AA8-C5DF2A48A6D1}" type="slidenum">
+              <a:rPr lang="en-US" noProof="0" smtClean="0"/>
+              <a:pPr/>
+              <a:t>19</a:t>
+            </a:fld>
+            <a:endParaRPr lang="en-US" noProof="0" dirty="0"/>
+          </a:p>
+        </p:txBody>
+      </p:sp>
+      <p:sp>
+        <p:nvSpPr>
+          <p:cNvPr id="4" name="Title 3">
+            <a:extLst>
+              <a:ext uri="{FF2B5EF4-FFF2-40B4-BE49-F238E27FC236}">
+                <a16:creationId xmlns:a16="http://schemas.microsoft.com/office/drawing/2014/main" id="{8718B34B-E2E6-D29F-009D-C1CC0A9608C6}"/>
+              </a:ext>
+            </a:extLst>
+          </p:cNvPr>
+          <p:cNvSpPr>
+            <a:spLocks noGrp="1"/>
+          </p:cNvSpPr>
+          <p:nvPr>
+            <p:ph type="title"/>
+          </p:nvPr>
+        </p:nvSpPr>
+        <p:spPr/>
+        <p:txBody>
+          <a:bodyPr/>
+          <a:lstStyle/>
+          <a:p>
+            <a:r>
+              <a:rPr lang="bg-BG" dirty="0"/>
+              <a:t>Диаграма на базата данни</a:t>
+            </a:r>
+            <a:endParaRPr lang="en-US" dirty="0"/>
+          </a:p>
+        </p:txBody>
+      </p:sp>
+      <p:pic>
+        <p:nvPicPr>
+          <p:cNvPr id="6" name="Picture 5">
+            <a:extLst>
+              <a:ext uri="{FF2B5EF4-FFF2-40B4-BE49-F238E27FC236}">
+                <a16:creationId xmlns:a16="http://schemas.microsoft.com/office/drawing/2014/main" id="{615D9262-B99F-DDFD-F3CB-465E95926B6C}"/>
+              </a:ext>
+            </a:extLst>
+          </p:cNvPr>
+          <p:cNvPicPr>
+            <a:picLocks noChangeAspect="1"/>
+          </p:cNvPicPr>
+          <p:nvPr/>
+        </p:nvPicPr>
+        <p:blipFill>
+          <a:blip r:embed="rId2">
+            <a:extLst>
+              <a:ext uri="{28A0092B-C50C-407E-A947-70E740481C1C}">
+                <a14:useLocalDpi xmlns:a14="http://schemas.microsoft.com/office/drawing/2010/main" val="0"/>
+              </a:ext>
+            </a:extLst>
+          </a:blip>
+          <a:srcRect/>
+          <a:stretch/>
+        </p:blipFill>
+        <p:spPr>
+          <a:xfrm>
+            <a:off x="960703" y="1144376"/>
+            <a:ext cx="10270593" cy="5612874"/>
+          </a:xfrm>
+          <a:prstGeom prst="rect">
+            <a:avLst/>
+          </a:prstGeom>
+        </p:spPr>
+      </p:pic>
+    </p:spTree>
+    <p:extLst>
+      <p:ext uri="{BB962C8B-B14F-4D97-AF65-F5344CB8AC3E}">
+        <p14:creationId xmlns:p14="http://schemas.microsoft.com/office/powerpoint/2010/main" val="2725041579"/>
+      </p:ext>
+    </p:extLst>
+  </p:cSld>
+  <p:clrMapOvr>
+    <a:masterClrMapping/>
+  </p:clrMapOvr>
+  <mc:AlternateContent xmlns:mc="http://schemas.openxmlformats.org/markup-compatibility/2006" xmlns:p14="http://schemas.microsoft.com/office/powerpoint/2010/main">
+    <mc:Choice Requires="p14">
+      <p:transition spd="slow" p14:dur="2000" advClick="0" advTm="5000"/>
+    </mc:Choice>
+    <mc:Fallback xmlns="">
+      <p:transition spd="slow" advClick="0" advTm="5000"/>
+    </mc:Fallback>
+  </mc:AlternateContent>
+</p:sld>
+</file>
+
 <file path=ppt/slides/slide2.xml><?xml version="1.0" encoding="utf-8"?>
 <p:sld xmlns:a="http://schemas.openxmlformats.org/drawingml/2006/main" xmlns:r="http://schemas.openxmlformats.org/officeDocument/2006/relationships" xmlns:p="http://schemas.openxmlformats.org/presentationml/2006/main">
   <p:cSld>
@@ -14070,7 +14188,38 @@
               <a:rPr lang="bg-BG" sz="3400" b="1" dirty="0"/>
               <a:t>изискванията</a:t>
             </a:r>
-            <a:endParaRPr lang="en-US" sz="3400" b="1" dirty="0"/>
+            <a:r>
+              <a:rPr lang="en-US" sz="3400" b="1" dirty="0"/>
+              <a:t> </a:t>
+            </a:r>
+            <a:r>
+              <a:rPr lang="bg-BG" sz="3400" dirty="0"/>
+              <a:t>и</a:t>
+            </a:r>
+            <a:r>
+              <a:rPr lang="bg-BG" sz="3400" b="1" dirty="0"/>
+              <a:t> </a:t>
+            </a:r>
+            <a:r>
+              <a:rPr lang="bg-BG" sz="3400" b="1" dirty="0">
+                <a:solidFill>
+                  <a:schemeClr val="bg1"/>
+                </a:solidFill>
+              </a:rPr>
+              <a:t>проектиране</a:t>
+            </a:r>
+            <a:r>
+              <a:rPr lang="bg-BG" sz="3400" b="1" dirty="0"/>
+              <a:t> </a:t>
+            </a:r>
+            <a:r>
+              <a:rPr lang="bg-BG" sz="3400" dirty="0"/>
+              <a:t>на </a:t>
+            </a:r>
+            <a:r>
+              <a:rPr lang="en-US" sz="3400" b="1" dirty="0"/>
+              <a:t>UI</a:t>
+            </a:r>
           </a:p>
           <a:p>
             <a:r>
@@ -14496,138 +14645,6 @@
           <p:cNvPr id="2" name="Slide Number Placeholder 1">
             <a:extLst>
               <a:ext uri="{FF2B5EF4-FFF2-40B4-BE49-F238E27FC236}">
-                <a16:creationId xmlns:a16="http://schemas.microsoft.com/office/drawing/2014/main" id="{DE068892-22B0-0781-814F-C94199C20C8F}"/>
-              </a:ext>
-            </a:extLst>
-          </p:cNvPr>
-          <p:cNvSpPr>
-            <a:spLocks noGrp="1"/>
-          </p:cNvSpPr>
-          <p:nvPr>
-            <p:ph type="sldNum" sz="quarter" idx="5"/>
-          </p:nvPr>
-        </p:nvSpPr>
-        <p:spPr/>
-        <p:txBody>
-          <a:bodyPr/>
-          <a:lstStyle/>
-          <a:p>
-            <a:fld id="{2BF067CD-8E6B-4360-9AA8-C5DF2A48A6D1}" type="slidenum">
-              <a:rPr lang="en-US" noProof="0" smtClean="0"/>
-              <a:pPr/>
-              <a:t>20</a:t>
-            </a:fld>
-            <a:endParaRPr lang="en-US" noProof="0" dirty="0"/>
-          </a:p>
-        </p:txBody>
-      </p:sp>
-      <p:sp>
-        <p:nvSpPr>
-          <p:cNvPr id="4" name="Title 3">
-            <a:extLst>
-              <a:ext uri="{FF2B5EF4-FFF2-40B4-BE49-F238E27FC236}">
-                <a16:creationId xmlns:a16="http://schemas.microsoft.com/office/drawing/2014/main" id="{8718B34B-E2E6-D29F-009D-C1CC0A9608C6}"/>
-              </a:ext>
-            </a:extLst>
-          </p:cNvPr>
-          <p:cNvSpPr>
-            <a:spLocks noGrp="1"/>
-          </p:cNvSpPr>
-          <p:nvPr>
-            <p:ph type="title"/>
-          </p:nvPr>
-        </p:nvSpPr>
-        <p:spPr/>
-        <p:txBody>
-          <a:bodyPr/>
-          <a:lstStyle/>
-          <a:p>
-            <a:r>
-              <a:rPr lang="bg-BG" dirty="0"/>
-              <a:t>Диаграма на базата данни</a:t>
-            </a:r>
-            <a:endParaRPr lang="en-US" dirty="0"/>
-          </a:p>
-        </p:txBody>
-      </p:sp>
-      <p:pic>
-        <p:nvPicPr>
-          <p:cNvPr id="6" name="Picture 5">
-            <a:extLst>
-              <a:ext uri="{FF2B5EF4-FFF2-40B4-BE49-F238E27FC236}">
-                <a16:creationId xmlns:a16="http://schemas.microsoft.com/office/drawing/2014/main" id="{615D9262-B99F-DDFD-F3CB-465E95926B6C}"/>
-              </a:ext>
-            </a:extLst>
-          </p:cNvPr>
-          <p:cNvPicPr>
-            <a:picLocks noChangeAspect="1"/>
-          </p:cNvPicPr>
-          <p:nvPr/>
-        </p:nvPicPr>
-        <p:blipFill>
-          <a:blip r:embed="rId2">
-            <a:extLst>
-              <a:ext uri="{28A0092B-C50C-407E-A947-70E740481C1C}">
-                <a14:useLocalDpi xmlns:a14="http://schemas.microsoft.com/office/drawing/2010/main" val="0"/>
-              </a:ext>
-            </a:extLst>
-          </a:blip>
-          <a:srcRect/>
-          <a:stretch/>
-        </p:blipFill>
-        <p:spPr>
-          <a:xfrm>
-            <a:off x="960703" y="1144376"/>
-            <a:ext cx="10270593" cy="5612874"/>
-          </a:xfrm>
-          <a:prstGeom prst="rect">
-            <a:avLst/>
-          </a:prstGeom>
-        </p:spPr>
-      </p:pic>
-    </p:spTree>
-    <p:extLst>
-      <p:ext uri="{BB962C8B-B14F-4D97-AF65-F5344CB8AC3E}">
-        <p14:creationId xmlns:p14="http://schemas.microsoft.com/office/powerpoint/2010/main" val="2725041579"/>
-      </p:ext>
-    </p:extLst>
-  </p:cSld>
-  <p:clrMapOvr>
-    <a:masterClrMapping/>
-  </p:clrMapOvr>
-  <mc:AlternateContent xmlns:mc="http://schemas.openxmlformats.org/markup-compatibility/2006" xmlns:p14="http://schemas.microsoft.com/office/powerpoint/2010/main">
-    <mc:Choice Requires="p14">
-      <p:transition spd="slow" p14:dur="2000" advClick="0" advTm="5000"/>
-    </mc:Choice>
-    <mc:Fallback xmlns="">
-      <p:transition spd="slow" advClick="0" advTm="5000"/>
-    </mc:Fallback>
-  </mc:AlternateContent>
-</p:sld>
-</file>
-
-<file path=ppt/slides/slide21.xml><?xml version="1.0" encoding="utf-8"?>
-<p:sld xmlns:a="http://schemas.openxmlformats.org/drawingml/2006/main" xmlns:r="http://schemas.openxmlformats.org/officeDocument/2006/relationships" xmlns:p="http://schemas.openxmlformats.org/presentationml/2006/main">
-  <p:cSld>
-    <p:spTree>
-      <p:nvGrpSpPr>
-        <p:cNvPr id="1" name=""/>
-        <p:cNvGrpSpPr/>
-        <p:nvPr/>
-      </p:nvGrpSpPr>
-      <p:grpSpPr>
-        <a:xfrm>
-          <a:off x="0" y="0"/>
-          <a:ext cx="0" cy="0"/>
-          <a:chOff x="0" y="0"/>
-          <a:chExt cx="0" cy="0"/>
-        </a:xfrm>
-      </p:grpSpPr>
-      <p:sp>
-        <p:nvSpPr>
-          <p:cNvPr id="2" name="Slide Number Placeholder 1">
-            <a:extLst>
-              <a:ext uri="{FF2B5EF4-FFF2-40B4-BE49-F238E27FC236}">
                 <a16:creationId xmlns:a16="http://schemas.microsoft.com/office/drawing/2014/main" id="{CCAABC86-82E0-F099-701A-D4347B605385}"/>
               </a:ext>
             </a:extLst>
@@ -14647,7 +14664,7 @@
             <a:fld id="{2BF067CD-8E6B-4360-9AA8-C5DF2A48A6D1}" type="slidenum">
               <a:rPr lang="en-US" noProof="0" smtClean="0"/>
               <a:pPr/>
-              <a:t>21</a:t>
+              <a:t>20</a:t>
             </a:fld>
             <a:endParaRPr lang="en-US" noProof="0" dirty="0"/>
           </a:p>
@@ -14756,7 +14773,7 @@
 </p:sld>
 </file>
 
-<file path=ppt/slides/slide22.xml><?xml version="1.0" encoding="utf-8"?>
+<file path=ppt/slides/slide21.xml><?xml version="1.0" encoding="utf-8"?>
 <p:sld xmlns:a="http://schemas.openxmlformats.org/drawingml/2006/main" xmlns:r="http://schemas.openxmlformats.org/officeDocument/2006/relationships" xmlns:p="http://schemas.openxmlformats.org/presentationml/2006/main">
   <p:cSld>
     <p:spTree>
@@ -14797,7 +14814,7 @@
             <a:fld id="{2BF067CD-8E6B-4360-9AA8-C5DF2A48A6D1}" type="slidenum">
               <a:rPr lang="en-US" noProof="0" smtClean="0"/>
               <a:pPr/>
-              <a:t>22</a:t>
+              <a:t>21</a:t>
             </a:fld>
             <a:endParaRPr lang="en-US" noProof="0" dirty="0"/>
           </a:p>
@@ -15112,7 +15129,7 @@
 </p:sld>
 </file>
 
-<file path=ppt/slides/slide23.xml><?xml version="1.0" encoding="utf-8"?>
+<file path=ppt/slides/slide22.xml><?xml version="1.0" encoding="utf-8"?>
 <p:sld xmlns:a="http://schemas.openxmlformats.org/drawingml/2006/main" xmlns:r="http://schemas.openxmlformats.org/officeDocument/2006/relationships" xmlns:p="http://schemas.openxmlformats.org/presentationml/2006/main">
   <p:cSld>
     <p:spTree>
@@ -15153,7 +15170,7 @@
             <a:fld id="{2BF067CD-8E6B-4360-9AA8-C5DF2A48A6D1}" type="slidenum">
               <a:rPr lang="en-US" noProof="0" smtClean="0"/>
               <a:pPr/>
-              <a:t>23</a:t>
+              <a:t>22</a:t>
             </a:fld>
             <a:endParaRPr lang="en-US" noProof="0" dirty="0"/>
           </a:p>
@@ -15794,7 +15811,7 @@
 </p:sld>
 </file>
 
-<file path=ppt/slides/slide24.xml><?xml version="1.0" encoding="utf-8"?>
+<file path=ppt/slides/slide23.xml><?xml version="1.0" encoding="utf-8"?>
 <p:sld xmlns:a="http://schemas.openxmlformats.org/drawingml/2006/main" xmlns:r="http://schemas.openxmlformats.org/officeDocument/2006/relationships" xmlns:p="http://schemas.openxmlformats.org/presentationml/2006/main">
   <p:cSld>
     <p:spTree>
@@ -15835,7 +15852,7 @@
             <a:fld id="{2BF067CD-8E6B-4360-9AA8-C5DF2A48A6D1}" type="slidenum">
               <a:rPr lang="en-US" noProof="0" smtClean="0"/>
               <a:pPr/>
-              <a:t>24</a:t>
+              <a:t>23</a:t>
             </a:fld>
             <a:endParaRPr lang="en-US" noProof="0" dirty="0"/>
           </a:p>
@@ -16643,7 +16660,7 @@
 </p:sld>
 </file>
 
-<file path=ppt/slides/slide25.xml><?xml version="1.0" encoding="utf-8"?>
+<file path=ppt/slides/slide24.xml><?xml version="1.0" encoding="utf-8"?>
 <p:sld xmlns:a="http://schemas.openxmlformats.org/drawingml/2006/main" xmlns:r="http://schemas.openxmlformats.org/officeDocument/2006/relationships" xmlns:p="http://schemas.openxmlformats.org/presentationml/2006/main">
   <p:cSld>
     <p:spTree>
@@ -16684,7 +16701,7 @@
             <a:fld id="{2BF067CD-8E6B-4360-9AA8-C5DF2A48A6D1}" type="slidenum">
               <a:rPr lang="en-US" noProof="0" smtClean="0"/>
               <a:pPr/>
-              <a:t>25</a:t>
+              <a:t>24</a:t>
             </a:fld>
             <a:endParaRPr lang="en-US" noProof="0" dirty="0"/>
           </a:p>
@@ -17229,7 +17246,7 @@
 </p:sld>
 </file>
 
-<file path=ppt/slides/slide26.xml><?xml version="1.0" encoding="utf-8"?>
+<file path=ppt/slides/slide25.xml><?xml version="1.0" encoding="utf-8"?>
 <p:sld xmlns:a="http://schemas.openxmlformats.org/drawingml/2006/main" xmlns:r="http://schemas.openxmlformats.org/officeDocument/2006/relationships" xmlns:p="http://schemas.openxmlformats.org/presentationml/2006/main">
   <p:cSld>
     <p:spTree>
@@ -17270,7 +17287,7 @@
             <a:fld id="{2BF067CD-8E6B-4360-9AA8-C5DF2A48A6D1}" type="slidenum">
               <a:rPr lang="en-US" noProof="0" smtClean="0"/>
               <a:pPr/>
-              <a:t>26</a:t>
+              <a:t>25</a:t>
             </a:fld>
             <a:endParaRPr lang="en-US" noProof="0" dirty="0"/>
           </a:p>
@@ -17832,7 +17849,7 @@
 </p:sld>
 </file>
 
-<file path=ppt/slides/slide27.xml><?xml version="1.0" encoding="utf-8"?>
+<file path=ppt/slides/slide26.xml><?xml version="1.0" encoding="utf-8"?>
 <p:sld xmlns:a="http://schemas.openxmlformats.org/drawingml/2006/main" xmlns:r="http://schemas.openxmlformats.org/officeDocument/2006/relationships" xmlns:p="http://schemas.openxmlformats.org/presentationml/2006/main">
   <p:cSld>
     <p:spTree>
@@ -17873,7 +17890,7 @@
             <a:fld id="{2BF067CD-8E6B-4360-9AA8-C5DF2A48A6D1}" type="slidenum">
               <a:rPr lang="en-US" noProof="0" smtClean="0"/>
               <a:pPr/>
-              <a:t>27</a:t>
+              <a:t>26</a:t>
             </a:fld>
             <a:endParaRPr lang="en-US" noProof="0" dirty="0"/>
           </a:p>
@@ -18472,7 +18489,7 @@
 </p:sld>
 </file>
 
-<file path=ppt/slides/slide28.xml><?xml version="1.0" encoding="utf-8"?>
+<file path=ppt/slides/slide27.xml><?xml version="1.0" encoding="utf-8"?>
 <p:sld xmlns:a="http://schemas.openxmlformats.org/drawingml/2006/main" xmlns:r="http://schemas.openxmlformats.org/officeDocument/2006/relationships" xmlns:p="http://schemas.openxmlformats.org/presentationml/2006/main">
   <p:cSld>
     <p:spTree>
@@ -18513,7 +18530,7 @@
             <a:fld id="{2BF067CD-8E6B-4360-9AA8-C5DF2A48A6D1}" type="slidenum">
               <a:rPr lang="en-US" noProof="0" smtClean="0"/>
               <a:pPr/>
-              <a:t>28</a:t>
+              <a:t>27</a:t>
             </a:fld>
             <a:endParaRPr lang="en-US" noProof="0" dirty="0"/>
           </a:p>
@@ -19187,7 +19204,7 @@
 </p:sld>
 </file>
 
-<file path=ppt/slides/slide29.xml><?xml version="1.0" encoding="utf-8"?>
+<file path=ppt/slides/slide28.xml><?xml version="1.0" encoding="utf-8"?>
 <p:sld xmlns:a="http://schemas.openxmlformats.org/drawingml/2006/main" xmlns:r="http://schemas.openxmlformats.org/officeDocument/2006/relationships" xmlns:p="http://schemas.openxmlformats.org/presentationml/2006/main">
   <p:cSld>
     <p:spTree>
@@ -19228,7 +19245,7 @@
             <a:fld id="{2BF067CD-8E6B-4360-9AA8-C5DF2A48A6D1}" type="slidenum">
               <a:rPr lang="en-US" noProof="0" smtClean="0"/>
               <a:pPr/>
-              <a:t>29</a:t>
+              <a:t>28</a:t>
             </a:fld>
             <a:endParaRPr lang="en-US" noProof="0" dirty="0"/>
           </a:p>
@@ -19780,138 +19797,7 @@
 </p:sld>
 </file>
 
-<file path=ppt/slides/slide3.xml><?xml version="1.0" encoding="utf-8"?>
-<p:sld xmlns:a="http://schemas.openxmlformats.org/drawingml/2006/main" xmlns:r="http://schemas.openxmlformats.org/officeDocument/2006/relationships" xmlns:p="http://schemas.openxmlformats.org/presentationml/2006/main">
-  <p:cSld>
-    <p:spTree>
-      <p:nvGrpSpPr>
-        <p:cNvPr id="1" name=""/>
-        <p:cNvGrpSpPr/>
-        <p:nvPr/>
-      </p:nvGrpSpPr>
-      <p:grpSpPr>
-        <a:xfrm>
-          <a:off x="0" y="0"/>
-          <a:ext cx="0" cy="0"/>
-          <a:chOff x="0" y="0"/>
-          <a:chExt cx="0" cy="0"/>
-        </a:xfrm>
-      </p:grpSpPr>
-      <p:sp>
-        <p:nvSpPr>
-          <p:cNvPr id="4" name="Slide Subtitle">
-            <a:extLst>
-              <a:ext uri="{FF2B5EF4-FFF2-40B4-BE49-F238E27FC236}">
-                <a16:creationId xmlns:a16="http://schemas.microsoft.com/office/drawing/2014/main" id="{BEB5BB41-09D4-4E9F-8C80-EE8709171CB3}"/>
-              </a:ext>
-            </a:extLst>
-          </p:cNvPr>
-          <p:cNvSpPr>
-            <a:spLocks noGrp="1"/>
-          </p:cNvSpPr>
-          <p:nvPr>
-            <p:ph type="subTitle" sz="quarter" idx="11"/>
-          </p:nvPr>
-        </p:nvSpPr>
-        <p:spPr/>
-        <p:txBody>
-          <a:bodyPr/>
-          <a:lstStyle/>
-          <a:p>
-            <a:r>
-              <a:rPr lang="bg-BG" dirty="0"/>
-              <a:t>Етапи</a:t>
-            </a:r>
-          </a:p>
-        </p:txBody>
-      </p:sp>
-      <p:sp>
-        <p:nvSpPr>
-          <p:cNvPr id="6" name="Slide Title">
-            <a:extLst>
-              <a:ext uri="{FF2B5EF4-FFF2-40B4-BE49-F238E27FC236}">
-                <a16:creationId xmlns:a16="http://schemas.microsoft.com/office/drawing/2014/main" id="{028D9EA3-B5E0-4F17-9467-4BE3C280DA68}"/>
-              </a:ext>
-            </a:extLst>
-          </p:cNvPr>
-          <p:cNvSpPr>
-            <a:spLocks noGrp="1"/>
-          </p:cNvSpPr>
-          <p:nvPr>
-            <p:ph type="title" sz="quarter" idx="10"/>
-          </p:nvPr>
-        </p:nvSpPr>
-        <p:spPr/>
-        <p:txBody>
-          <a:bodyPr/>
-          <a:lstStyle/>
-          <a:p>
-            <a:r>
-              <a:rPr lang="bg-BG" sz="4400" dirty="0"/>
-              <a:t>Жизнен цикъл на информационна система</a:t>
-            </a:r>
-            <a:endParaRPr lang="en-US" sz="4400" dirty="0"/>
-          </a:p>
-        </p:txBody>
-      </p:sp>
-      <p:pic>
-        <p:nvPicPr>
-          <p:cNvPr id="3" name="Picture 2">
-            <a:extLst>
-              <a:ext uri="{FF2B5EF4-FFF2-40B4-BE49-F238E27FC236}">
-                <a16:creationId xmlns:a16="http://schemas.microsoft.com/office/drawing/2014/main" id="{4D3A8A43-2D38-9408-FD20-702F4C9CB58E}"/>
-              </a:ext>
-            </a:extLst>
-          </p:cNvPr>
-          <p:cNvPicPr>
-            <a:picLocks noChangeAspect="1"/>
-          </p:cNvPicPr>
-          <p:nvPr/>
-        </p:nvPicPr>
-        <p:blipFill>
-          <a:blip r:embed="rId3" cstate="hqprint">
-            <a:extLst>
-              <a:ext uri="{28A0092B-C50C-407E-A947-70E740481C1C}">
-                <a14:useLocalDpi xmlns:a14="http://schemas.microsoft.com/office/drawing/2010/main" val="0"/>
-              </a:ext>
-            </a:extLst>
-          </a:blip>
-          <a:stretch>
-            <a:fillRect/>
-          </a:stretch>
-        </p:blipFill>
-        <p:spPr>
-          <a:xfrm>
-            <a:off x="4567768" y="1089000"/>
-            <a:ext cx="3056464" cy="3070858"/>
-          </a:xfrm>
-          <a:prstGeom prst="rect">
-            <a:avLst/>
-          </a:prstGeom>
-        </p:spPr>
-      </p:pic>
-    </p:spTree>
-    <p:extLst>
-      <p:ext uri="{BB962C8B-B14F-4D97-AF65-F5344CB8AC3E}">
-        <p14:creationId xmlns:p14="http://schemas.microsoft.com/office/powerpoint/2010/main" val="882194472"/>
-      </p:ext>
-    </p:extLst>
-  </p:cSld>
-  <p:clrMapOvr>
-    <a:masterClrMapping/>
-  </p:clrMapOvr>
-  <mc:AlternateContent xmlns:mc="http://schemas.openxmlformats.org/markup-compatibility/2006" xmlns:p14="http://schemas.microsoft.com/office/powerpoint/2010/main">
-    <mc:Choice Requires="p14">
-      <p:transition spd="slow" p14:dur="2000" advClick="0" advTm="5000"/>
-    </mc:Choice>
-    <mc:Fallback xmlns="">
-      <p:transition spd="slow" advClick="0" advTm="5000"/>
-    </mc:Fallback>
-  </mc:AlternateContent>
-</p:sld>
-</file>
-
-<file path=ppt/slides/slide30.xml><?xml version="1.0" encoding="utf-8"?>
+<file path=ppt/slides/slide29.xml><?xml version="1.0" encoding="utf-8"?>
 <p:sld xmlns:a="http://schemas.openxmlformats.org/drawingml/2006/main" xmlns:r="http://schemas.openxmlformats.org/officeDocument/2006/relationships" xmlns:p="http://schemas.openxmlformats.org/presentationml/2006/main">
   <p:cSld>
     <p:spTree>
@@ -19952,7 +19838,7 @@
             <a:fld id="{2BF067CD-8E6B-4360-9AA8-C5DF2A48A6D1}" type="slidenum">
               <a:rPr lang="en-US" noProof="0" smtClean="0"/>
               <a:pPr/>
-              <a:t>30</a:t>
+              <a:t>29</a:t>
             </a:fld>
             <a:endParaRPr lang="en-US" noProof="0" dirty="0"/>
           </a:p>
@@ -20518,7 +20404,138 @@
 </p:sld>
 </file>
 
-<file path=ppt/slides/slide31.xml><?xml version="1.0" encoding="utf-8"?>
+<file path=ppt/slides/slide3.xml><?xml version="1.0" encoding="utf-8"?>
+<p:sld xmlns:a="http://schemas.openxmlformats.org/drawingml/2006/main" xmlns:r="http://schemas.openxmlformats.org/officeDocument/2006/relationships" xmlns:p="http://schemas.openxmlformats.org/presentationml/2006/main">
+  <p:cSld>
+    <p:spTree>
+      <p:nvGrpSpPr>
+        <p:cNvPr id="1" name=""/>
+        <p:cNvGrpSpPr/>
+        <p:nvPr/>
+      </p:nvGrpSpPr>
+      <p:grpSpPr>
+        <a:xfrm>
+          <a:off x="0" y="0"/>
+          <a:ext cx="0" cy="0"/>
+          <a:chOff x="0" y="0"/>
+          <a:chExt cx="0" cy="0"/>
+        </a:xfrm>
+      </p:grpSpPr>
+      <p:sp>
+        <p:nvSpPr>
+          <p:cNvPr id="4" name="Slide Subtitle">
+            <a:extLst>
+              <a:ext uri="{FF2B5EF4-FFF2-40B4-BE49-F238E27FC236}">
+                <a16:creationId xmlns:a16="http://schemas.microsoft.com/office/drawing/2014/main" id="{BEB5BB41-09D4-4E9F-8C80-EE8709171CB3}"/>
+              </a:ext>
+            </a:extLst>
+          </p:cNvPr>
+          <p:cNvSpPr>
+            <a:spLocks noGrp="1"/>
+          </p:cNvSpPr>
+          <p:nvPr>
+            <p:ph type="subTitle" sz="quarter" idx="11"/>
+          </p:nvPr>
+        </p:nvSpPr>
+        <p:spPr/>
+        <p:txBody>
+          <a:bodyPr/>
+          <a:lstStyle/>
+          <a:p>
+            <a:r>
+              <a:rPr lang="bg-BG" dirty="0"/>
+              <a:t>Етапи</a:t>
+            </a:r>
+          </a:p>
+        </p:txBody>
+      </p:sp>
+      <p:sp>
+        <p:nvSpPr>
+          <p:cNvPr id="6" name="Slide Title">
+            <a:extLst>
+              <a:ext uri="{FF2B5EF4-FFF2-40B4-BE49-F238E27FC236}">
+                <a16:creationId xmlns:a16="http://schemas.microsoft.com/office/drawing/2014/main" id="{028D9EA3-B5E0-4F17-9467-4BE3C280DA68}"/>
+              </a:ext>
+            </a:extLst>
+          </p:cNvPr>
+          <p:cNvSpPr>
+            <a:spLocks noGrp="1"/>
+          </p:cNvSpPr>
+          <p:nvPr>
+            <p:ph type="title" sz="quarter" idx="10"/>
+          </p:nvPr>
+        </p:nvSpPr>
+        <p:spPr/>
+        <p:txBody>
+          <a:bodyPr/>
+          <a:lstStyle/>
+          <a:p>
+            <a:r>
+              <a:rPr lang="bg-BG" sz="4400" dirty="0"/>
+              <a:t>Жизнен цикъл на информационна система</a:t>
+            </a:r>
+            <a:endParaRPr lang="en-US" sz="4400" dirty="0"/>
+          </a:p>
+        </p:txBody>
+      </p:sp>
+      <p:pic>
+        <p:nvPicPr>
+          <p:cNvPr id="3" name="Picture 2">
+            <a:extLst>
+              <a:ext uri="{FF2B5EF4-FFF2-40B4-BE49-F238E27FC236}">
+                <a16:creationId xmlns:a16="http://schemas.microsoft.com/office/drawing/2014/main" id="{4D3A8A43-2D38-9408-FD20-702F4C9CB58E}"/>
+              </a:ext>
+            </a:extLst>
+          </p:cNvPr>
+          <p:cNvPicPr>
+            <a:picLocks noChangeAspect="1"/>
+          </p:cNvPicPr>
+          <p:nvPr/>
+        </p:nvPicPr>
+        <p:blipFill>
+          <a:blip r:embed="rId3" cstate="hqprint">
+            <a:extLst>
+              <a:ext uri="{28A0092B-C50C-407E-A947-70E740481C1C}">
+                <a14:useLocalDpi xmlns:a14="http://schemas.microsoft.com/office/drawing/2010/main" val="0"/>
+              </a:ext>
+            </a:extLst>
+          </a:blip>
+          <a:stretch>
+            <a:fillRect/>
+          </a:stretch>
+        </p:blipFill>
+        <p:spPr>
+          <a:xfrm>
+            <a:off x="4567768" y="1089000"/>
+            <a:ext cx="3056464" cy="3070858"/>
+          </a:xfrm>
+          <a:prstGeom prst="rect">
+            <a:avLst/>
+          </a:prstGeom>
+        </p:spPr>
+      </p:pic>
+    </p:spTree>
+    <p:extLst>
+      <p:ext uri="{BB962C8B-B14F-4D97-AF65-F5344CB8AC3E}">
+        <p14:creationId xmlns:p14="http://schemas.microsoft.com/office/powerpoint/2010/main" val="882194472"/>
+      </p:ext>
+    </p:extLst>
+  </p:cSld>
+  <p:clrMapOvr>
+    <a:masterClrMapping/>
+  </p:clrMapOvr>
+  <mc:AlternateContent xmlns:mc="http://schemas.openxmlformats.org/markup-compatibility/2006" xmlns:p14="http://schemas.microsoft.com/office/powerpoint/2010/main">
+    <mc:Choice Requires="p14">
+      <p:transition spd="slow" p14:dur="2000" advClick="0" advTm="5000"/>
+    </mc:Choice>
+    <mc:Fallback xmlns="">
+      <p:transition spd="slow" advClick="0" advTm="5000"/>
+    </mc:Fallback>
+  </mc:AlternateContent>
+</p:sld>
+</file>
+
+<file path=ppt/slides/slide30.xml><?xml version="1.0" encoding="utf-8"?>
 <p:sld xmlns:a="http://schemas.openxmlformats.org/drawingml/2006/main" xmlns:r="http://schemas.openxmlformats.org/officeDocument/2006/relationships" xmlns:p="http://schemas.openxmlformats.org/presentationml/2006/main">
   <p:cSld>
     <p:spTree>
@@ -20559,7 +20576,7 @@
             <a:fld id="{2BF067CD-8E6B-4360-9AA8-C5DF2A48A6D1}" type="slidenum">
               <a:rPr lang="en-US" noProof="0" smtClean="0"/>
               <a:pPr/>
-              <a:t>31</a:t>
+              <a:t>30</a:t>
             </a:fld>
             <a:endParaRPr lang="en-US" noProof="0" dirty="0"/>
           </a:p>
@@ -21115,7 +21132,7 @@
 </p:sld>
 </file>
 
-<file path=ppt/slides/slide32.xml><?xml version="1.0" encoding="utf-8"?>
+<file path=ppt/slides/slide31.xml><?xml version="1.0" encoding="utf-8"?>
 <p:sld xmlns:a="http://schemas.openxmlformats.org/drawingml/2006/main" xmlns:r="http://schemas.openxmlformats.org/officeDocument/2006/relationships" xmlns:p="http://schemas.openxmlformats.org/presentationml/2006/main">
   <p:cSld>
     <p:spTree>
@@ -21156,7 +21173,7 @@
             <a:fld id="{2BF067CD-8E6B-4360-9AA8-C5DF2A48A6D1}" type="slidenum">
               <a:rPr lang="en-US" noProof="0" smtClean="0"/>
               <a:pPr/>
-              <a:t>32</a:t>
+              <a:t>31</a:t>
             </a:fld>
             <a:endParaRPr lang="en-US" noProof="0" dirty="0"/>
           </a:p>
@@ -21723,7 +21740,7 @@
 </p:sld>
 </file>
 
-<file path=ppt/slides/slide33.xml><?xml version="1.0" encoding="utf-8"?>
+<file path=ppt/slides/slide32.xml><?xml version="1.0" encoding="utf-8"?>
 <p:sld xmlns:a="http://schemas.openxmlformats.org/drawingml/2006/main" xmlns:r="http://schemas.openxmlformats.org/officeDocument/2006/relationships" xmlns:p="http://schemas.openxmlformats.org/presentationml/2006/main">
   <p:cSld>
     <p:spTree>
@@ -22353,7 +22370,7 @@
             <a:fld id="{2BF067CD-8E6B-4360-9AA8-C5DF2A48A6D1}" type="slidenum">
               <a:rPr lang="en-US" noProof="0" smtClean="0"/>
               <a:pPr/>
-              <a:t>33</a:t>
+              <a:t>32</a:t>
             </a:fld>
             <a:endParaRPr lang="en-US" noProof="0" dirty="0"/>
           </a:p>
@@ -22802,7 +22819,7 @@
 </p:sld>
 </file>
 
-<file path=ppt/slides/slide34.xml><?xml version="1.0" encoding="utf-8"?>
+<file path=ppt/slides/slide33.xml><?xml version="1.0" encoding="utf-8"?>
 <p:sld xmlns:a="http://schemas.openxmlformats.org/drawingml/2006/main" xmlns:r="http://schemas.openxmlformats.org/officeDocument/2006/relationships" xmlns:p="http://schemas.openxmlformats.org/presentationml/2006/main">
   <p:cSld>
     <p:spTree>
@@ -22992,7 +23009,7 @@
 </p:sld>
 </file>
 
-<file path=ppt/slides/slide35.xml><?xml version="1.0" encoding="utf-8"?>
+<file path=ppt/slides/slide34.xml><?xml version="1.0" encoding="utf-8"?>
 <p:sld xmlns:a="http://schemas.openxmlformats.org/drawingml/2006/main" xmlns:r="http://schemas.openxmlformats.org/officeDocument/2006/relationships" xmlns:p="http://schemas.openxmlformats.org/presentationml/2006/main" show="0">
   <p:cSld>
     <p:spTree>
@@ -23045,7 +23062,7 @@
             <a:fld id="{2BF067CD-8E6B-4360-9AA8-C5DF2A48A6D1}" type="slidenum">
               <a:rPr lang="en-US" smtClean="0"/>
               <a:pPr/>
-              <a:t>35</a:t>
+              <a:t>34</a:t>
             </a:fld>
             <a:endParaRPr lang="en-US" dirty="0"/>
           </a:p>
@@ -27248,10 +27265,10 @@
       </p:grpSpPr>
       <p:sp>
         <p:nvSpPr>
-          <p:cNvPr id="2" name="Slide Number Placeholder 1">
+          <p:cNvPr id="4" name="Slide Subtitle">
             <a:extLst>
               <a:ext uri="{FF2B5EF4-FFF2-40B4-BE49-F238E27FC236}">
-                <a16:creationId xmlns:a16="http://schemas.microsoft.com/office/drawing/2014/main" id="{CCAABC86-82E0-F099-701A-D4347B605385}"/>
+                <a16:creationId xmlns:a16="http://schemas.microsoft.com/office/drawing/2014/main" id="{BEB5BB41-09D4-4E9F-8C80-EE8709171CB3}"/>
               </a:ext>
             </a:extLst>
           </p:cNvPr>
@@ -27259,7 +27276,7 @@
             <a:spLocks noGrp="1"/>
           </p:cNvSpPr>
           <p:nvPr>
-            <p:ph type="sldNum" sz="quarter" idx="5"/>
+            <p:ph type="subTitle" sz="quarter" idx="11"/>
           </p:nvPr>
         </p:nvSpPr>
         <p:spPr/>
@@ -27267,21 +27284,27 @@
           <a:bodyPr/>
           <a:lstStyle/>
           <a:p>
-            <a:fld id="{2BF067CD-8E6B-4360-9AA8-C5DF2A48A6D1}" type="slidenum">
-              <a:rPr lang="en-US" noProof="0" smtClean="0"/>
-              <a:pPr/>
-              <a:t>9</a:t>
-            </a:fld>
-            <a:endParaRPr lang="en-US" noProof="0" dirty="0"/>
+            <a:r>
+              <a:rPr lang="bg-BG" dirty="0"/>
+              <a:t>От текстово описание до </a:t>
+            </a:r>
+            <a:r>
+              <a:rPr lang="en-US" dirty="0"/>
+              <a:t>UI </a:t>
+            </a:r>
+            <a:r>
+              <a:rPr lang="bg-BG" dirty="0"/>
+              <a:t>дизайн и БД</a:t>
+            </a:r>
           </a:p>
         </p:txBody>
       </p:sp>
       <p:sp>
         <p:nvSpPr>
-          <p:cNvPr id="4" name="Title 3">
+          <p:cNvPr id="6" name="Slide Title">
             <a:extLst>
               <a:ext uri="{FF2B5EF4-FFF2-40B4-BE49-F238E27FC236}">
-                <a16:creationId xmlns:a16="http://schemas.microsoft.com/office/drawing/2014/main" id="{67B6A643-676D-3506-B008-B24B36AA34F1}"/>
+                <a16:creationId xmlns:a16="http://schemas.microsoft.com/office/drawing/2014/main" id="{028D9EA3-B5E0-4F17-9467-4BE3C280DA68}"/>
               </a:ext>
             </a:extLst>
           </p:cNvPr>
@@ -27289,133 +27312,70 @@
             <a:spLocks noGrp="1"/>
           </p:cNvSpPr>
           <p:nvPr>
-            <p:ph type="title"/>
-          </p:nvPr>
-        </p:nvSpPr>
-        <p:spPr/>
-        <p:txBody>
-          <a:bodyPr>
-            <a:normAutofit/>
-          </a:bodyPr>
-          <a:lstStyle/>
-          <a:p>
-            <a:r>
-              <a:rPr lang="bg-BG" dirty="0"/>
-              <a:t>Етапи на жизнения цикъл на ИС </a:t>
-            </a:r>
-            <a:r>
-              <a:rPr lang="en-US" dirty="0"/>
-              <a:t>(</a:t>
-            </a:r>
-            <a:r>
-              <a:rPr lang="bg-BG" dirty="0"/>
-              <a:t>4</a:t>
-            </a:r>
-            <a:r>
-              <a:rPr lang="en-US" dirty="0"/>
-              <a:t>)</a:t>
-            </a:r>
-            <a:endParaRPr lang="en-BG" dirty="0"/>
-          </a:p>
-        </p:txBody>
-      </p:sp>
-      <p:sp>
-        <p:nvSpPr>
-          <p:cNvPr id="7" name="Text Placeholder 6">
-            <a:extLst>
-              <a:ext uri="{FF2B5EF4-FFF2-40B4-BE49-F238E27FC236}">
-                <a16:creationId xmlns:a16="http://schemas.microsoft.com/office/drawing/2014/main" id="{FBFEFCDD-E454-D1E7-D67F-EE67BB2A7ACE}"/>
-              </a:ext>
-            </a:extLst>
-          </p:cNvPr>
-          <p:cNvSpPr>
-            <a:spLocks noGrp="1"/>
-          </p:cNvSpPr>
-          <p:nvPr>
-            <p:ph type="body" sz="quarter" idx="10"/>
+            <p:ph type="title" sz="quarter" idx="10"/>
           </p:nvPr>
         </p:nvSpPr>
         <p:spPr>
           <a:xfrm>
-            <a:off x="190402" y="1196125"/>
-            <a:ext cx="11215598" cy="5528766"/>
+            <a:off x="615109" y="4775916"/>
+            <a:ext cx="10961783" cy="768084"/>
           </a:xfrm>
         </p:spPr>
         <p:txBody>
-          <a:bodyPr>
-            <a:normAutofit/>
-          </a:bodyPr>
+          <a:bodyPr/>
           <a:lstStyle/>
           <a:p>
             <a:r>
-              <a:rPr lang="bg-BG" sz="3200" b="1" dirty="0">
-                <a:solidFill>
-                  <a:schemeClr val="bg1"/>
-                </a:solidFill>
-              </a:rPr>
-              <a:t>Поддръжка</a:t>
-            </a:r>
-          </a:p>
-          <a:p>
-            <a:pPr lvl="1"/>
-            <a:r>
-              <a:rPr lang="bg-BG" sz="3000" dirty="0"/>
-              <a:t>Наблюдение и осигуряване на </a:t>
-            </a:r>
-            <a:r>
-              <a:rPr lang="bg-BG" sz="3000" b="1" dirty="0"/>
-              <a:t>непрекъснато</a:t>
-            </a:r>
-            <a:r>
-              <a:rPr lang="bg-BG" sz="3000" dirty="0"/>
-              <a:t> </a:t>
-            </a:r>
-            <a:r>
-              <a:rPr lang="bg-BG" sz="3000" b="1" dirty="0"/>
-              <a:t>функциониране</a:t>
-            </a:r>
-            <a:r>
-              <a:rPr lang="bg-BG" sz="3000" dirty="0"/>
-              <a:t> на </a:t>
-            </a:r>
-            <a:r>
-              <a:rPr lang="bg-BG" sz="3000" b="1" dirty="0"/>
-              <a:t>ИС</a:t>
-            </a:r>
-          </a:p>
-          <a:p>
-            <a:pPr lvl="1"/>
-            <a:r>
-              <a:rPr lang="bg-BG" sz="3000" b="1" dirty="0"/>
-              <a:t>Отстраняване на грешки</a:t>
-            </a:r>
-            <a:r>
-              <a:rPr lang="bg-BG" sz="3000" dirty="0"/>
-              <a:t>, </a:t>
-            </a:r>
-            <a:r>
-              <a:rPr lang="bg-BG" sz="3000" b="1" dirty="0"/>
-              <a:t>актуализации</a:t>
-            </a:r>
-            <a:r>
-              <a:rPr lang="bg-BG" sz="3000" dirty="0"/>
-              <a:t>, </a:t>
-            </a:r>
-            <a:r>
-              <a:rPr lang="bg-BG" sz="3000" b="1" dirty="0"/>
-              <a:t>подобрения</a:t>
-            </a:r>
-            <a:r>
-              <a:rPr lang="bg-BG" sz="3000" dirty="0"/>
-              <a:t> и др.</a:t>
+              <a:rPr lang="bg-BG" sz="4200" dirty="0"/>
+              <a:t>Анализ на изискванията и проектиране на </a:t>
+            </a:r>
+            <a:r>
+              <a:rPr lang="en-US" sz="4200" dirty="0"/>
+              <a:t>UI</a:t>
             </a:r>
           </a:p>
         </p:txBody>
       </p:sp>
+      <p:pic>
+        <p:nvPicPr>
+          <p:cNvPr id="11" name="Picture 10">
+            <a:extLst>
+              <a:ext uri="{FF2B5EF4-FFF2-40B4-BE49-F238E27FC236}">
+                <a16:creationId xmlns:a16="http://schemas.microsoft.com/office/drawing/2014/main" id="{7E1F136C-1A8F-14C5-907E-6A18C884AFF1}"/>
+              </a:ext>
+            </a:extLst>
+          </p:cNvPr>
+          <p:cNvPicPr>
+            <a:picLocks noChangeAspect="1"/>
+          </p:cNvPicPr>
+          <p:nvPr/>
+        </p:nvPicPr>
+        <p:blipFill>
+          <a:blip r:embed="rId3">
+            <a:extLst>
+              <a:ext uri="{28A0092B-C50C-407E-A947-70E740481C1C}">
+                <a14:useLocalDpi xmlns:a14="http://schemas.microsoft.com/office/drawing/2010/main" val="0"/>
+              </a:ext>
+            </a:extLst>
+          </a:blip>
+          <a:stretch>
+            <a:fillRect/>
+          </a:stretch>
+        </p:blipFill>
+        <p:spPr>
+          <a:xfrm>
+            <a:off x="4678500" y="1385091"/>
+            <a:ext cx="2835000" cy="2404367"/>
+          </a:xfrm>
+          <a:prstGeom prst="rect">
+            <a:avLst/>
+          </a:prstGeom>
+        </p:spPr>
+      </p:pic>
     </p:spTree>
     <p:extLst>
       <p:ext uri="{BB962C8B-B14F-4D97-AF65-F5344CB8AC3E}">
-        <p14:creationId xmlns:p14="http://schemas.microsoft.com/office/powerpoint/2010/main" val="1128996927"/>
+        <p14:creationId xmlns:p14="http://schemas.microsoft.com/office/powerpoint/2010/main" val="3104196896"/>
       </p:ext>
     </p:extLst>
   </p:cSld>
@@ -27430,134 +27390,6 @@
       <p:transition spd="slow" advClick="0" advTm="5000"/>
     </mc:Fallback>
   </mc:AlternateContent>
-  <p:timing>
-    <p:tnLst>
-      <p:par>
-        <p:cTn id="1" dur="indefinite" restart="never" nodeType="tmRoot">
-          <p:childTnLst>
-            <p:seq concurrent="1" nextAc="seek">
-              <p:cTn id="2" dur="indefinite" nodeType="mainSeq">
-                <p:childTnLst>
-                  <p:par>
-                    <p:cTn id="3" fill="hold">
-                      <p:stCondLst>
-                        <p:cond delay="indefinite"/>
-                      </p:stCondLst>
-                      <p:childTnLst>
-                        <p:par>
-                          <p:cTn id="4" fill="hold">
-                            <p:stCondLst>
-                              <p:cond delay="0"/>
-                            </p:stCondLst>
-                            <p:childTnLst>
-                              <p:par>
-                                <p:cTn id="5" presetID="1" presetClass="entr" presetSubtype="0" fill="hold" nodeType="clickEffect">
-                                  <p:stCondLst>
-                                    <p:cond delay="0"/>
-                                  </p:stCondLst>
-                                  <p:childTnLst>
-                                    <p:set>
-                                      <p:cBhvr>
-                                        <p:cTn id="6" dur="1" fill="hold">
-                                          <p:stCondLst>
-                                            <p:cond delay="0"/>
-                                          </p:stCondLst>
-                                        </p:cTn>
-                                        <p:tgtEl>
-                                          <p:spTgt spid="7">
-                                            <p:txEl>
-                                              <p:pRg st="1" end="1"/>
-                                            </p:txEl>
-                                          </p:spTgt>
-                                        </p:tgtEl>
-                                        <p:attrNameLst>
-                                          <p:attrName>style.visibility</p:attrName>
-                                        </p:attrNameLst>
-                                      </p:cBhvr>
-                                      <p:to>
-                                        <p:strVal val="visible"/>
-                                      </p:to>
-                                    </p:set>
-                                  </p:childTnLst>
-                                </p:cTn>
-                              </p:par>
-                            </p:childTnLst>
-                          </p:cTn>
-                        </p:par>
-                      </p:childTnLst>
-                    </p:cTn>
-                  </p:par>
-                  <p:par>
-                    <p:cTn id="7" fill="hold">
-                      <p:stCondLst>
-                        <p:cond delay="indefinite"/>
-                      </p:stCondLst>
-                      <p:childTnLst>
-                        <p:par>
-                          <p:cTn id="8" fill="hold">
-                            <p:stCondLst>
-                              <p:cond delay="0"/>
-                            </p:stCondLst>
-                            <p:childTnLst>
-                              <p:par>
-                                <p:cTn id="9" presetID="1" presetClass="entr" presetSubtype="0" fill="hold" nodeType="clickEffect">
-                                  <p:stCondLst>
-                                    <p:cond delay="0"/>
-                                  </p:stCondLst>
-                                  <p:childTnLst>
-                                    <p:set>
-                                      <p:cBhvr>
-                                        <p:cTn id="10" dur="1" fill="hold">
-                                          <p:stCondLst>
-                                            <p:cond delay="0"/>
-                                          </p:stCondLst>
-                                        </p:cTn>
-                                        <p:tgtEl>
-                                          <p:spTgt spid="7">
-                                            <p:txEl>
-                                              <p:pRg st="2" end="2"/>
-                                            </p:txEl>
-                                          </p:spTgt>
-                                        </p:tgtEl>
-                                        <p:attrNameLst>
-                                          <p:attrName>style.visibility</p:attrName>
-                                        </p:attrNameLst>
-                                      </p:cBhvr>
-                                      <p:to>
-                                        <p:strVal val="visible"/>
-                                      </p:to>
-                                    </p:set>
-                                  </p:childTnLst>
-                                </p:cTn>
-                              </p:par>
-                            </p:childTnLst>
-                          </p:cTn>
-                        </p:par>
-                      </p:childTnLst>
-                    </p:cTn>
-                  </p:par>
-                </p:childTnLst>
-              </p:cTn>
-              <p:prevCondLst>
-                <p:cond evt="onPrev" delay="0">
-                  <p:tgtEl>
-                    <p:sldTgt/>
-                  </p:tgtEl>
-                </p:cond>
-              </p:prevCondLst>
-              <p:nextCondLst>
-                <p:cond evt="onNext" delay="0">
-                  <p:tgtEl>
-                    <p:sldTgt/>
-                  </p:tgtEl>
-                </p:cond>
-              </p:nextCondLst>
-            </p:seq>
-          </p:childTnLst>
-        </p:cTn>
-      </p:par>
-    </p:tnLst>
-  </p:timing>
 </p:sld>
 </file>
 
